--- a/Citi_Bikes.pptx
+++ b/Citi_Bikes.pptx
@@ -265,7 +265,7 @@
           <a:p>
             <a:fld id="{2DF1692A-F1F0-6A45-BE4F-CE88759D2EEB}" type="datetimeFigureOut">
               <a:rPr lang="en-GB" smtClean="0"/>
-              <a:t>26/06/2025</a:t>
+              <a:t>30/06/2025</a:t>
             </a:fld>
             <a:endParaRPr lang="en-GB"/>
           </a:p>
@@ -463,7 +463,7 @@
           <a:p>
             <a:fld id="{2DF1692A-F1F0-6A45-BE4F-CE88759D2EEB}" type="datetimeFigureOut">
               <a:rPr lang="en-GB" smtClean="0"/>
-              <a:t>26/06/2025</a:t>
+              <a:t>30/06/2025</a:t>
             </a:fld>
             <a:endParaRPr lang="en-GB"/>
           </a:p>
@@ -671,7 +671,7 @@
           <a:p>
             <a:fld id="{2DF1692A-F1F0-6A45-BE4F-CE88759D2EEB}" type="datetimeFigureOut">
               <a:rPr lang="en-GB" smtClean="0"/>
-              <a:t>26/06/2025</a:t>
+              <a:t>30/06/2025</a:t>
             </a:fld>
             <a:endParaRPr lang="en-GB"/>
           </a:p>
@@ -869,7 +869,7 @@
           <a:p>
             <a:fld id="{2DF1692A-F1F0-6A45-BE4F-CE88759D2EEB}" type="datetimeFigureOut">
               <a:rPr lang="en-GB" smtClean="0"/>
-              <a:t>26/06/2025</a:t>
+              <a:t>30/06/2025</a:t>
             </a:fld>
             <a:endParaRPr lang="en-GB"/>
           </a:p>
@@ -1144,7 +1144,7 @@
           <a:p>
             <a:fld id="{2DF1692A-F1F0-6A45-BE4F-CE88759D2EEB}" type="datetimeFigureOut">
               <a:rPr lang="en-GB" smtClean="0"/>
-              <a:t>26/06/2025</a:t>
+              <a:t>30/06/2025</a:t>
             </a:fld>
             <a:endParaRPr lang="en-GB"/>
           </a:p>
@@ -1409,7 +1409,7 @@
           <a:p>
             <a:fld id="{2DF1692A-F1F0-6A45-BE4F-CE88759D2EEB}" type="datetimeFigureOut">
               <a:rPr lang="en-GB" smtClean="0"/>
-              <a:t>26/06/2025</a:t>
+              <a:t>30/06/2025</a:t>
             </a:fld>
             <a:endParaRPr lang="en-GB"/>
           </a:p>
@@ -1821,7 +1821,7 @@
           <a:p>
             <a:fld id="{2DF1692A-F1F0-6A45-BE4F-CE88759D2EEB}" type="datetimeFigureOut">
               <a:rPr lang="en-GB" smtClean="0"/>
-              <a:t>26/06/2025</a:t>
+              <a:t>30/06/2025</a:t>
             </a:fld>
             <a:endParaRPr lang="en-GB"/>
           </a:p>
@@ -1962,7 +1962,7 @@
           <a:p>
             <a:fld id="{2DF1692A-F1F0-6A45-BE4F-CE88759D2EEB}" type="datetimeFigureOut">
               <a:rPr lang="en-GB" smtClean="0"/>
-              <a:t>26/06/2025</a:t>
+              <a:t>30/06/2025</a:t>
             </a:fld>
             <a:endParaRPr lang="en-GB"/>
           </a:p>
@@ -2075,7 +2075,7 @@
           <a:p>
             <a:fld id="{2DF1692A-F1F0-6A45-BE4F-CE88759D2EEB}" type="datetimeFigureOut">
               <a:rPr lang="en-GB" smtClean="0"/>
-              <a:t>26/06/2025</a:t>
+              <a:t>30/06/2025</a:t>
             </a:fld>
             <a:endParaRPr lang="en-GB"/>
           </a:p>
@@ -2386,7 +2386,7 @@
           <a:p>
             <a:fld id="{2DF1692A-F1F0-6A45-BE4F-CE88759D2EEB}" type="datetimeFigureOut">
               <a:rPr lang="en-GB" smtClean="0"/>
-              <a:t>26/06/2025</a:t>
+              <a:t>30/06/2025</a:t>
             </a:fld>
             <a:endParaRPr lang="en-GB"/>
           </a:p>
@@ -2674,7 +2674,7 @@
           <a:p>
             <a:fld id="{2DF1692A-F1F0-6A45-BE4F-CE88759D2EEB}" type="datetimeFigureOut">
               <a:rPr lang="en-GB" smtClean="0"/>
-              <a:t>26/06/2025</a:t>
+              <a:t>30/06/2025</a:t>
             </a:fld>
             <a:endParaRPr lang="en-GB"/>
           </a:p>
@@ -2915,7 +2915,7 @@
           <a:p>
             <a:fld id="{2DF1692A-F1F0-6A45-BE4F-CE88759D2EEB}" type="datetimeFigureOut">
               <a:rPr lang="en-GB" smtClean="0"/>
-              <a:t>26/06/2025</a:t>
+              <a:t>30/06/2025</a:t>
             </a:fld>
             <a:endParaRPr lang="en-GB"/>
           </a:p>
@@ -6565,64 +6565,6 @@
           </a:p>
         </p:txBody>
       </p:sp>
-      <p:sp>
-        <p:nvSpPr>
-          <p:cNvPr id="27" name="TextBox 26">
-            <a:extLst>
-              <a:ext uri="{FF2B5EF4-FFF2-40B4-BE49-F238E27FC236}">
-                <a16:creationId xmlns:a16="http://schemas.microsoft.com/office/drawing/2014/main" id="{7B00C22A-7FC9-693E-014F-C11ED31AEC20}"/>
-              </a:ext>
-            </a:extLst>
-          </p:cNvPr>
-          <p:cNvSpPr txBox="1"/>
-          <p:nvPr/>
-        </p:nvSpPr>
-        <p:spPr>
-          <a:xfrm>
-            <a:off x="2049105" y="6414095"/>
-            <a:ext cx="9312405" cy="461665"/>
-          </a:xfrm>
-          <a:prstGeom prst="rect">
-            <a:avLst/>
-          </a:prstGeom>
-          <a:noFill/>
-        </p:spPr>
-        <p:txBody>
-          <a:bodyPr wrap="square" rtlCol="0">
-            <a:spAutoFit/>
-          </a:bodyPr>
-          <a:lstStyle/>
-          <a:p>
-            <a:r>
-              <a:rPr lang="en-GB" sz="1200" i="1" dirty="0"/>
-              <a:t>Tableau Link: </a:t>
-            </a:r>
-            <a:r>
-              <a:rPr lang="en-GB" sz="1200" i="1" dirty="0">
-                <a:hlinkClick r:id="rId5"/>
-              </a:rPr>
-              <a:t>https://public.tableau.com/app/profile/leyla.efe/viz/CitiBikes_17509249164740/Story1?publish=yes</a:t>
-            </a:r>
-            <a:endParaRPr lang="en-GB" sz="1200" i="1" dirty="0"/>
-          </a:p>
-          <a:p>
-            <a:r>
-              <a:rPr lang="en-GB" sz="1200" i="1" dirty="0"/>
-              <a:t>GitHub Link: </a:t>
-            </a:r>
-            <a:r>
-              <a:rPr lang="en-GB" sz="1200" i="1" dirty="0">
-                <a:hlinkClick r:id="rId6"/>
-              </a:rPr>
-              <a:t>https://github.com/YLMustafa/citi_bikes/blob/main/README.md</a:t>
-            </a:r>
-            <a:r>
-              <a:rPr lang="en-GB" sz="1200" i="1" dirty="0"/>
-              <a:t>  </a:t>
-            </a:r>
-          </a:p>
-        </p:txBody>
-      </p:sp>
     </p:spTree>
     <p:extLst>
       <p:ext uri="{BB962C8B-B14F-4D97-AF65-F5344CB8AC3E}">
@@ -7060,64 +7002,6 @@
               <a:t>The results showed age explained only about 0.4% of the variation in start times—meaning that while a slight trend exists, age alone isn’t a reliable predictor of when someone will ride.</a:t>
             </a:r>
             <a:endParaRPr lang="en-GB" sz="1400" dirty="0"/>
-          </a:p>
-        </p:txBody>
-      </p:sp>
-      <p:sp>
-        <p:nvSpPr>
-          <p:cNvPr id="27" name="TextBox 26">
-            <a:extLst>
-              <a:ext uri="{FF2B5EF4-FFF2-40B4-BE49-F238E27FC236}">
-                <a16:creationId xmlns:a16="http://schemas.microsoft.com/office/drawing/2014/main" id="{2D13752F-2D01-0D9B-80FE-388D38984D47}"/>
-              </a:ext>
-            </a:extLst>
-          </p:cNvPr>
-          <p:cNvSpPr txBox="1"/>
-          <p:nvPr/>
-        </p:nvSpPr>
-        <p:spPr>
-          <a:xfrm>
-            <a:off x="2049105" y="6414095"/>
-            <a:ext cx="9312405" cy="461665"/>
-          </a:xfrm>
-          <a:prstGeom prst="rect">
-            <a:avLst/>
-          </a:prstGeom>
-          <a:noFill/>
-        </p:spPr>
-        <p:txBody>
-          <a:bodyPr wrap="square" rtlCol="0">
-            <a:spAutoFit/>
-          </a:bodyPr>
-          <a:lstStyle/>
-          <a:p>
-            <a:r>
-              <a:rPr lang="en-GB" sz="1200" i="1" dirty="0"/>
-              <a:t>Tableau Link: </a:t>
-            </a:r>
-            <a:r>
-              <a:rPr lang="en-GB" sz="1200" i="1" dirty="0">
-                <a:hlinkClick r:id="rId4"/>
-              </a:rPr>
-              <a:t>https://public.tableau.com/app/profile/leyla.efe/viz/CitiBikes_17509249164740/Story1?publish=yes</a:t>
-            </a:r>
-            <a:endParaRPr lang="en-GB" sz="1200" i="1" dirty="0"/>
-          </a:p>
-          <a:p>
-            <a:r>
-              <a:rPr lang="en-GB" sz="1200" i="1" dirty="0"/>
-              <a:t>GitHub Link: </a:t>
-            </a:r>
-            <a:r>
-              <a:rPr lang="en-GB" sz="1200" i="1" dirty="0">
-                <a:hlinkClick r:id="rId5"/>
-              </a:rPr>
-              <a:t>https://github.com/YLMustafa/citi_bikes/blob/main/README.md</a:t>
-            </a:r>
-            <a:r>
-              <a:rPr lang="en-GB" sz="1200" i="1" dirty="0"/>
-              <a:t>  </a:t>
-            </a:r>
           </a:p>
         </p:txBody>
       </p:sp>
@@ -7479,7 +7363,7 @@
         <p:spPr>
           <a:xfrm>
             <a:off x="5850699" y="1989434"/>
-            <a:ext cx="5519802" cy="4016484"/>
+            <a:ext cx="5519802" cy="4247317"/>
           </a:xfrm>
           <a:prstGeom prst="rect">
             <a:avLst/>
@@ -7492,17 +7376,13 @@
           </a:bodyPr>
           <a:lstStyle/>
           <a:p>
-            <a:pPr algn="l">
-              <a:buNone/>
-            </a:pPr>
-            <a:r>
-              <a:rPr lang="en-GB" sz="1500" b="0" i="0" u="none" strike="noStrike" dirty="0">
+            <a:r>
+              <a:rPr lang="en-GB" sz="1500" dirty="0">
                 <a:solidFill>
                   <a:srgbClr val="000000"/>
                 </a:solidFill>
-                <a:effectLst/>
               </a:rPr>
-              <a:t>After exploring linear relationships, I applied clustering to reveal hidden patterns, grouping riders into four distinct segments.</a:t>
+              <a:t>After exploring linear relationships, I applied k-means clustering and selected a total of 4 clusters to reveal hidden patterns, grouping riders into four distinct segments.</a:t>
             </a:r>
           </a:p>
           <a:p>
@@ -7601,64 +7481,6 @@
                 <a:effectLst/>
               </a:rPr>
               <a:t>A similar mid-aged cluster shares the same start time but takes shorter trips (632 seconds), indicating more local or routine travel behaviour.</a:t>
-            </a:r>
-          </a:p>
-        </p:txBody>
-      </p:sp>
-      <p:sp>
-        <p:nvSpPr>
-          <p:cNvPr id="18" name="TextBox 17">
-            <a:extLst>
-              <a:ext uri="{FF2B5EF4-FFF2-40B4-BE49-F238E27FC236}">
-                <a16:creationId xmlns:a16="http://schemas.microsoft.com/office/drawing/2014/main" id="{04A014CD-E527-DF40-F1C2-C6DC5264C914}"/>
-              </a:ext>
-            </a:extLst>
-          </p:cNvPr>
-          <p:cNvSpPr txBox="1"/>
-          <p:nvPr/>
-        </p:nvSpPr>
-        <p:spPr>
-          <a:xfrm>
-            <a:off x="2049105" y="6414095"/>
-            <a:ext cx="9312405" cy="461665"/>
-          </a:xfrm>
-          <a:prstGeom prst="rect">
-            <a:avLst/>
-          </a:prstGeom>
-          <a:noFill/>
-        </p:spPr>
-        <p:txBody>
-          <a:bodyPr wrap="square" rtlCol="0">
-            <a:spAutoFit/>
-          </a:bodyPr>
-          <a:lstStyle/>
-          <a:p>
-            <a:r>
-              <a:rPr lang="en-GB" sz="1200" i="1" dirty="0"/>
-              <a:t>Tableau Link: </a:t>
-            </a:r>
-            <a:r>
-              <a:rPr lang="en-GB" sz="1200" i="1" dirty="0">
-                <a:hlinkClick r:id="rId5"/>
-              </a:rPr>
-              <a:t>https://public.tableau.com/app/profile/leyla.efe/viz/CitiBikes_17509249164740/Story1?publish=yes</a:t>
-            </a:r>
-            <a:endParaRPr lang="en-GB" sz="1200" i="1" dirty="0"/>
-          </a:p>
-          <a:p>
-            <a:r>
-              <a:rPr lang="en-GB" sz="1200" i="1" dirty="0"/>
-              <a:t>GitHub Link: </a:t>
-            </a:r>
-            <a:r>
-              <a:rPr lang="en-GB" sz="1200" i="1" dirty="0">
-                <a:hlinkClick r:id="rId6"/>
-              </a:rPr>
-              <a:t>https://github.com/YLMustafa/citi_bikes/blob/main/README.md</a:t>
-            </a:r>
-            <a:r>
-              <a:rPr lang="en-GB" sz="1200" i="1" dirty="0"/>
-              <a:t>  </a:t>
             </a:r>
           </a:p>
         </p:txBody>
@@ -8200,7 +8022,7 @@
                   </a:schemeClr>
                 </a:solidFill>
               </a:rPr>
-              <a:t>Future analysis should incorporate additional behavioural and contextual variables to improve the accuracy and clarity of clustering and predictive insights.</a:t>
+              <a:t>Future analysis should incorporate behavioural and contextual variables—such as age, gender, and travel patterns—to improve clustering and predictive insights.</a:t>
             </a:r>
           </a:p>
         </p:txBody>
@@ -8324,64 +8146,6 @@
           </a:extLst>
         </p:spPr>
       </p:pic>
-      <p:sp>
-        <p:nvSpPr>
-          <p:cNvPr id="27" name="TextBox 26">
-            <a:extLst>
-              <a:ext uri="{FF2B5EF4-FFF2-40B4-BE49-F238E27FC236}">
-                <a16:creationId xmlns:a16="http://schemas.microsoft.com/office/drawing/2014/main" id="{6C244B1C-13D4-F401-90C7-2BFFFE9BF324}"/>
-              </a:ext>
-            </a:extLst>
-          </p:cNvPr>
-          <p:cNvSpPr txBox="1"/>
-          <p:nvPr/>
-        </p:nvSpPr>
-        <p:spPr>
-          <a:xfrm>
-            <a:off x="2049105" y="6414095"/>
-            <a:ext cx="9312405" cy="461665"/>
-          </a:xfrm>
-          <a:prstGeom prst="rect">
-            <a:avLst/>
-          </a:prstGeom>
-          <a:noFill/>
-        </p:spPr>
-        <p:txBody>
-          <a:bodyPr wrap="square" rtlCol="0">
-            <a:spAutoFit/>
-          </a:bodyPr>
-          <a:lstStyle/>
-          <a:p>
-            <a:r>
-              <a:rPr lang="en-GB" sz="1200" i="1" dirty="0"/>
-              <a:t>Tableau Link: </a:t>
-            </a:r>
-            <a:r>
-              <a:rPr lang="en-GB" sz="1200" i="1" dirty="0">
-                <a:hlinkClick r:id="rId3"/>
-              </a:rPr>
-              <a:t>https://public.tableau.com/app/profile/leyla.efe/viz/CitiBikes_17509249164740/Story1?publish=yes</a:t>
-            </a:r>
-            <a:endParaRPr lang="en-GB" sz="1200" i="1" dirty="0"/>
-          </a:p>
-          <a:p>
-            <a:r>
-              <a:rPr lang="en-GB" sz="1200" i="1" dirty="0"/>
-              <a:t>GitHub Link: </a:t>
-            </a:r>
-            <a:r>
-              <a:rPr lang="en-GB" sz="1200" i="1" dirty="0">
-                <a:hlinkClick r:id="rId4"/>
-              </a:rPr>
-              <a:t>https://github.com/YLMustafa/citi_bikes/blob/main/README.md</a:t>
-            </a:r>
-            <a:r>
-              <a:rPr lang="en-GB" sz="1200" i="1" dirty="0"/>
-              <a:t>  </a:t>
-            </a:r>
-          </a:p>
-        </p:txBody>
-      </p:sp>
     </p:spTree>
     <p:extLst>
       <p:ext uri="{BB962C8B-B14F-4D97-AF65-F5344CB8AC3E}">
